--- a/Information Security/Presentatie_RFIDcloner.pptx
+++ b/Information Security/Presentatie_RFIDcloner.pptx
@@ -5,19 +5,28 @@
     <p:sldMasterId id="2147483648" r:id="rId2"/>
   </p:sldMasterIdLst>
   <p:notesMasterIdLst>
-    <p:notesMasterId r:id="rId5"/>
+    <p:notesMasterId r:id="rId14"/>
   </p:notesMasterIdLst>
   <p:handoutMasterIdLst>
-    <p:handoutMasterId r:id="rId6"/>
+    <p:handoutMasterId r:id="rId15"/>
   </p:handoutMasterIdLst>
   <p:sldIdLst>
     <p:sldId id="265" r:id="rId3"/>
-    <p:sldId id="266" r:id="rId4"/>
+    <p:sldId id="267" r:id="rId4"/>
+    <p:sldId id="268" r:id="rId5"/>
+    <p:sldId id="269" r:id="rId6"/>
+    <p:sldId id="270" r:id="rId7"/>
+    <p:sldId id="271" r:id="rId8"/>
+    <p:sldId id="272" r:id="rId9"/>
+    <p:sldId id="273" r:id="rId10"/>
+    <p:sldId id="274" r:id="rId11"/>
+    <p:sldId id="275" r:id="rId12"/>
+    <p:sldId id="266" r:id="rId13"/>
   </p:sldIdLst>
   <p:sldSz cx="12188825" cy="6858000"/>
   <p:notesSz cx="6858000" cy="9144000"/>
   <p:custDataLst>
-    <p:tags r:id="rId7"/>
+    <p:tags r:id="rId16"/>
   </p:custDataLst>
   <p:defaultTextStyle>
     <a:defPPr>
@@ -308,7 +317,7 @@
           <a:p>
             <a:fld id="{59088EAF-6ECA-4616-85EF-35AA19C641F3}" type="datetimeFigureOut">
               <a:rPr lang="nl-NL" smtClean="0"/>
-              <a:t>13-1-2016</a:t>
+              <a:t>15-1-2016</a:t>
             </a:fld>
             <a:endParaRPr lang="nl-NL" dirty="0"/>
           </a:p>
@@ -473,7 +482,7 @@
           <a:p>
             <a:fld id="{3ABD2D7A-D230-4F91-BD59-0A39C2703BA8}" type="datetimeFigureOut">
               <a:rPr lang="nl-NL" smtClean="0"/>
-              <a:t>13-1-2016</a:t>
+              <a:t>15-1-2016</a:t>
             </a:fld>
             <a:endParaRPr lang="nl-NL" dirty="0"/>
           </a:p>
@@ -537,38 +546,37 @@
           <a:p>
             <a:pPr lvl="0"/>
             <a:r>
-              <a:rPr lang="nl-NL" dirty="0" smtClean="0"/>
+              <a:rPr lang="nl-NL" dirty="0"/>
               <a:t>Klik om de modelstijlen te bewerken</a:t>
             </a:r>
           </a:p>
           <a:p>
             <a:pPr lvl="1"/>
             <a:r>
-              <a:rPr lang="nl-NL" dirty="0" smtClean="0"/>
+              <a:rPr lang="nl-NL" dirty="0"/>
               <a:t>Tweede niveau</a:t>
             </a:r>
           </a:p>
           <a:p>
             <a:pPr lvl="2"/>
             <a:r>
-              <a:rPr lang="nl-NL" dirty="0" smtClean="0"/>
+              <a:rPr lang="nl-NL" dirty="0"/>
               <a:t>Derde niveau</a:t>
             </a:r>
           </a:p>
           <a:p>
             <a:pPr lvl="3"/>
             <a:r>
-              <a:rPr lang="nl-NL" dirty="0" smtClean="0"/>
+              <a:rPr lang="nl-NL" dirty="0"/>
               <a:t>Vierde niveau</a:t>
             </a:r>
           </a:p>
           <a:p>
             <a:pPr lvl="4"/>
             <a:r>
-              <a:rPr lang="nl-NL" dirty="0" smtClean="0"/>
+              <a:rPr lang="nl-NL" dirty="0"/>
               <a:t>Vijfde niveau</a:t>
             </a:r>
-            <a:endParaRPr lang="nl-NL" dirty="0"/>
           </a:p>
         </p:txBody>
       </p:sp>
@@ -741,6 +749,114 @@
 </p:notesMaster>
 </file>
 
+<file path=ppt/notesSlides/notesSlide1.xml><?xml version="1.0" encoding="utf-8"?>
+<p:notes xmlns:a="http://schemas.openxmlformats.org/drawingml/2006/main" xmlns:r="http://schemas.openxmlformats.org/officeDocument/2006/relationships" xmlns:p="http://schemas.openxmlformats.org/presentationml/2006/main">
+  <p:cSld>
+    <p:spTree>
+      <p:nvGrpSpPr>
+        <p:cNvPr id="1" name=""/>
+        <p:cNvGrpSpPr/>
+        <p:nvPr/>
+      </p:nvGrpSpPr>
+      <p:grpSpPr>
+        <a:xfrm>
+          <a:off x="0" y="0"/>
+          <a:ext cx="0" cy="0"/>
+          <a:chOff x="0" y="0"/>
+          <a:chExt cx="0" cy="0"/>
+        </a:xfrm>
+      </p:grpSpPr>
+      <p:sp>
+        <p:nvSpPr>
+          <p:cNvPr id="2" name="Tijdelijke aanduiding voor dia-afbeelding 1"/>
+          <p:cNvSpPr>
+            <a:spLocks noGrp="1" noRot="1" noChangeAspect="1"/>
+          </p:cNvSpPr>
+          <p:nvPr>
+            <p:ph type="sldImg"/>
+          </p:nvPr>
+        </p:nvSpPr>
+        <p:spPr/>
+      </p:sp>
+      <p:sp>
+        <p:nvSpPr>
+          <p:cNvPr id="3" name="Tijdelijke aanduiding voor notities 2"/>
+          <p:cNvSpPr>
+            <a:spLocks noGrp="1"/>
+          </p:cNvSpPr>
+          <p:nvPr>
+            <p:ph type="body" idx="1"/>
+          </p:nvPr>
+        </p:nvSpPr>
+        <p:spPr/>
+        <p:txBody>
+          <a:bodyPr/>
+          <a:lstStyle/>
+          <a:p>
+            <a:r>
+              <a:rPr lang="nl-BE" dirty="0"/>
+              <a:t>Unique</a:t>
+            </a:r>
+            <a:r>
+              <a:rPr lang="nl-BE" baseline="0" dirty="0"/>
+              <a:t> </a:t>
+            </a:r>
+            <a:r>
+              <a:rPr lang="nl-BE" baseline="0" dirty="0" err="1"/>
+              <a:t>identifier</a:t>
+            </a:r>
+            <a:r>
+              <a:rPr lang="nl-BE" baseline="0" dirty="0"/>
+              <a:t>, bit </a:t>
+            </a:r>
+            <a:r>
+              <a:rPr lang="nl-BE" baseline="0" dirty="0" err="1"/>
+              <a:t>count</a:t>
+            </a:r>
+            <a:r>
+              <a:rPr lang="nl-BE" baseline="0" dirty="0"/>
+              <a:t> check, fabrikant informatie</a:t>
+            </a:r>
+            <a:endParaRPr lang="nl-BE" dirty="0"/>
+          </a:p>
+        </p:txBody>
+      </p:sp>
+      <p:sp>
+        <p:nvSpPr>
+          <p:cNvPr id="4" name="Tijdelijke aanduiding voor dianummer 3"/>
+          <p:cNvSpPr>
+            <a:spLocks noGrp="1"/>
+          </p:cNvSpPr>
+          <p:nvPr>
+            <p:ph type="sldNum" sz="quarter" idx="10"/>
+          </p:nvPr>
+        </p:nvSpPr>
+        <p:spPr/>
+        <p:txBody>
+          <a:bodyPr/>
+          <a:lstStyle/>
+          <a:p>
+            <a:fld id="{F93199CD-3E1B-4AE6-990F-76F925F5EA9F}" type="slidenum">
+              <a:rPr lang="nl-NL" smtClean="0"/>
+              <a:t>7</a:t>
+            </a:fld>
+            <a:endParaRPr lang="nl-NL" dirty="0"/>
+          </a:p>
+        </p:txBody>
+      </p:sp>
+    </p:spTree>
+    <p:extLst>
+      <p:ext uri="{BB962C8B-B14F-4D97-AF65-F5344CB8AC3E}">
+        <p14:creationId xmlns:p14="http://schemas.microsoft.com/office/powerpoint/2010/main" val="3381184561"/>
+      </p:ext>
+    </p:extLst>
+  </p:cSld>
+  <p:clrMapOvr>
+    <a:masterClrMapping/>
+  </p:clrMapOvr>
+</p:notes>
+</file>
+
 <file path=ppt/slideLayouts/slideLayout1.xml><?xml version="1.0" encoding="utf-8"?>
 <p:sldLayout xmlns:a="http://schemas.openxmlformats.org/drawingml/2006/main" xmlns:r="http://schemas.openxmlformats.org/officeDocument/2006/relationships" xmlns:p="http://schemas.openxmlformats.org/presentationml/2006/main" type="title" preserve="1">
   <p:cSld name="Titeldia">
@@ -806,7 +922,7 @@
           </a:lstStyle>
           <a:p>
             <a:r>
-              <a:rPr lang="nl-NL" smtClean="0"/>
+              <a:rPr lang="nl-NL"/>
               <a:t>Klik om de stijl te bewerken</a:t>
             </a:r>
             <a:endParaRPr lang="nl-NL" dirty="0"/>
@@ -928,7 +1044,7 @@
           </a:lstStyle>
           <a:p>
             <a:r>
-              <a:rPr lang="nl-NL" smtClean="0"/>
+              <a:rPr lang="nl-NL"/>
               <a:t>Klik om de ondertitelstijl van het model te bewerken</a:t>
             </a:r>
             <a:endParaRPr lang="nl-NL" dirty="0"/>
@@ -957,13 +1073,6 @@
       </p:transition>
     </mc:Fallback>
   </mc:AlternateContent>
-  <p:timing>
-    <p:tnLst>
-      <p:par>
-        <p:cTn id="1" dur="indefinite" restart="never" nodeType="tmRoot"/>
-      </p:par>
-    </p:tnLst>
-  </p:timing>
 </p:sldLayout>
 </file>
 
@@ -1000,7 +1109,7 @@
           <a:lstStyle/>
           <a:p>
             <a:r>
-              <a:rPr lang="nl-NL" smtClean="0"/>
+              <a:rPr lang="nl-NL"/>
               <a:t>Klik om de stijl te bewerken</a:t>
             </a:r>
             <a:endParaRPr lang="nl-NL" dirty="0"/>
@@ -1024,35 +1133,35 @@
           <a:p>
             <a:pPr lvl="0"/>
             <a:r>
-              <a:rPr lang="nl-NL" smtClean="0"/>
+              <a:rPr lang="nl-NL"/>
               <a:t>Klik om de modelstijlen te bewerken</a:t>
             </a:r>
           </a:p>
           <a:p>
             <a:pPr lvl="1"/>
             <a:r>
-              <a:rPr lang="nl-NL" smtClean="0"/>
+              <a:rPr lang="nl-NL"/>
               <a:t>Tweede niveau</a:t>
             </a:r>
           </a:p>
           <a:p>
             <a:pPr lvl="2"/>
             <a:r>
-              <a:rPr lang="nl-NL" smtClean="0"/>
+              <a:rPr lang="nl-NL"/>
               <a:t>Derde niveau</a:t>
             </a:r>
           </a:p>
           <a:p>
             <a:pPr lvl="3"/>
             <a:r>
-              <a:rPr lang="nl-NL" smtClean="0"/>
+              <a:rPr lang="nl-NL"/>
               <a:t>Vierde niveau</a:t>
             </a:r>
           </a:p>
           <a:p>
             <a:pPr lvl="4"/>
             <a:r>
-              <a:rPr lang="nl-NL" smtClean="0"/>
+              <a:rPr lang="nl-NL"/>
               <a:t>Vijfde niveau</a:t>
             </a:r>
             <a:endParaRPr lang="nl-NL" dirty="0"/>
@@ -1076,7 +1185,7 @@
           <a:p>
             <a:fld id="{03F41C87-7AD9-4845-A077-840E4A0F3F06}" type="datetimeFigureOut">
               <a:rPr lang="nl-NL" smtClean="0"/>
-              <a:t>13-1-2016</a:t>
+              <a:t>15-1-2016</a:t>
             </a:fld>
             <a:endParaRPr lang="nl-NL" dirty="0"/>
           </a:p>
@@ -1146,13 +1255,6 @@
       </p:transition>
     </mc:Fallback>
   </mc:AlternateContent>
-  <p:timing>
-    <p:tnLst>
-      <p:par>
-        <p:cTn id="1" dur="indefinite" restart="never" nodeType="tmRoot"/>
-      </p:par>
-    </p:tnLst>
-  </p:timing>
 </p:sldLayout>
 </file>
 
@@ -1194,7 +1296,7 @@
           <a:lstStyle/>
           <a:p>
             <a:r>
-              <a:rPr lang="nl-NL" smtClean="0"/>
+              <a:rPr lang="nl-NL"/>
               <a:t>Klik om de stijl te bewerken</a:t>
             </a:r>
             <a:endParaRPr lang="nl-NL" dirty="0"/>
@@ -1223,35 +1325,35 @@
           <a:p>
             <a:pPr lvl="0"/>
             <a:r>
-              <a:rPr lang="nl-NL" smtClean="0"/>
+              <a:rPr lang="nl-NL"/>
               <a:t>Klik om de modelstijlen te bewerken</a:t>
             </a:r>
           </a:p>
           <a:p>
             <a:pPr lvl="1"/>
             <a:r>
-              <a:rPr lang="nl-NL" smtClean="0"/>
+              <a:rPr lang="nl-NL"/>
               <a:t>Tweede niveau</a:t>
             </a:r>
           </a:p>
           <a:p>
             <a:pPr lvl="2"/>
             <a:r>
-              <a:rPr lang="nl-NL" smtClean="0"/>
+              <a:rPr lang="nl-NL"/>
               <a:t>Derde niveau</a:t>
             </a:r>
           </a:p>
           <a:p>
             <a:pPr lvl="3"/>
             <a:r>
-              <a:rPr lang="nl-NL" smtClean="0"/>
+              <a:rPr lang="nl-NL"/>
               <a:t>Vierde niveau</a:t>
             </a:r>
           </a:p>
           <a:p>
             <a:pPr lvl="4"/>
             <a:r>
-              <a:rPr lang="nl-NL" smtClean="0"/>
+              <a:rPr lang="nl-NL"/>
               <a:t>Vijfde niveau</a:t>
             </a:r>
             <a:endParaRPr lang="nl-NL" dirty="0"/>
@@ -1275,7 +1377,7 @@
           <a:p>
             <a:fld id="{03F41C87-7AD9-4845-A077-840E4A0F3F06}" type="datetimeFigureOut">
               <a:rPr lang="nl-NL" smtClean="0"/>
-              <a:t>13-1-2016</a:t>
+              <a:t>15-1-2016</a:t>
             </a:fld>
             <a:endParaRPr lang="nl-NL" dirty="0"/>
           </a:p>
@@ -1345,13 +1447,6 @@
       </p:transition>
     </mc:Fallback>
   </mc:AlternateContent>
-  <p:timing>
-    <p:tnLst>
-      <p:par>
-        <p:cTn id="1" dur="indefinite" restart="never" nodeType="tmRoot"/>
-      </p:par>
-    </p:tnLst>
-  </p:timing>
 </p:sldLayout>
 </file>
 
@@ -1388,7 +1483,7 @@
           <a:lstStyle/>
           <a:p>
             <a:r>
-              <a:rPr lang="nl-NL" smtClean="0"/>
+              <a:rPr lang="nl-NL"/>
               <a:t>Klik om de stijl te bewerken</a:t>
             </a:r>
             <a:endParaRPr lang="nl-NL" dirty="0"/>
@@ -1419,35 +1514,35 @@
           <a:p>
             <a:pPr lvl="0"/>
             <a:r>
-              <a:rPr lang="nl-NL" smtClean="0"/>
+              <a:rPr lang="nl-NL"/>
               <a:t>Klik om de modelstijlen te bewerken</a:t>
             </a:r>
           </a:p>
           <a:p>
             <a:pPr lvl="1"/>
             <a:r>
-              <a:rPr lang="nl-NL" smtClean="0"/>
+              <a:rPr lang="nl-NL"/>
               <a:t>Tweede niveau</a:t>
             </a:r>
           </a:p>
           <a:p>
             <a:pPr lvl="2"/>
             <a:r>
-              <a:rPr lang="nl-NL" smtClean="0"/>
+              <a:rPr lang="nl-NL"/>
               <a:t>Derde niveau</a:t>
             </a:r>
           </a:p>
           <a:p>
             <a:pPr lvl="3"/>
             <a:r>
-              <a:rPr lang="nl-NL" smtClean="0"/>
+              <a:rPr lang="nl-NL"/>
               <a:t>Vierde niveau</a:t>
             </a:r>
           </a:p>
           <a:p>
             <a:pPr lvl="4"/>
             <a:r>
-              <a:rPr lang="nl-NL" smtClean="0"/>
+              <a:rPr lang="nl-NL"/>
               <a:t>Vijfde niveau</a:t>
             </a:r>
             <a:endParaRPr lang="nl-NL" dirty="0"/>
@@ -1471,7 +1566,7 @@
           <a:p>
             <a:fld id="{03F41C87-7AD9-4845-A077-840E4A0F3F06}" type="datetimeFigureOut">
               <a:rPr lang="nl-NL" smtClean="0"/>
-              <a:t>13-1-2016</a:t>
+              <a:t>15-1-2016</a:t>
             </a:fld>
             <a:endParaRPr lang="nl-NL" dirty="0"/>
           </a:p>
@@ -1541,13 +1636,6 @@
       </p:transition>
     </mc:Fallback>
   </mc:AlternateContent>
-  <p:timing>
-    <p:tnLst>
-      <p:par>
-        <p:cTn id="1" dur="indefinite" restart="never" nodeType="tmRoot"/>
-      </p:par>
-    </p:tnLst>
-  </p:timing>
 </p:sldLayout>
 </file>
 
@@ -1612,7 +1700,7 @@
           </a:lstStyle>
           <a:p>
             <a:r>
-              <a:rPr lang="nl-NL" smtClean="0"/>
+              <a:rPr lang="nl-NL"/>
               <a:t>Klik om de stijl te bewerken</a:t>
             </a:r>
             <a:endParaRPr lang="nl-NL" dirty="0"/>
@@ -1735,7 +1823,7 @@
           <a:p>
             <a:pPr lvl="0"/>
             <a:r>
-              <a:rPr lang="nl-NL" smtClean="0"/>
+              <a:rPr lang="nl-NL"/>
               <a:t>Klik om de modelstijlen te bewerken</a:t>
             </a:r>
           </a:p>
@@ -1758,7 +1846,7 @@
           <a:p>
             <a:fld id="{03F41C87-7AD9-4845-A077-840E4A0F3F06}" type="datetimeFigureOut">
               <a:rPr lang="nl-NL" smtClean="0"/>
-              <a:t>13-1-2016</a:t>
+              <a:t>15-1-2016</a:t>
             </a:fld>
             <a:endParaRPr lang="nl-NL" dirty="0"/>
           </a:p>
@@ -1828,13 +1916,6 @@
       </p:transition>
     </mc:Fallback>
   </mc:AlternateContent>
-  <p:timing>
-    <p:tnLst>
-      <p:par>
-        <p:cTn id="1" dur="indefinite" restart="never" nodeType="tmRoot"/>
-      </p:par>
-    </p:tnLst>
-  </p:timing>
 </p:sldLayout>
 </file>
 
@@ -1876,7 +1957,7 @@
           <a:lstStyle/>
           <a:p>
             <a:r>
-              <a:rPr lang="nl-NL" smtClean="0"/>
+              <a:rPr lang="nl-NL"/>
               <a:t>Klik om de stijl te bewerken</a:t>
             </a:r>
             <a:endParaRPr lang="nl-NL" dirty="0"/>
@@ -1935,35 +2016,35 @@
           <a:p>
             <a:pPr lvl="0"/>
             <a:r>
-              <a:rPr lang="nl-NL" smtClean="0"/>
+              <a:rPr lang="nl-NL"/>
               <a:t>Klik om de modelstijlen te bewerken</a:t>
             </a:r>
           </a:p>
           <a:p>
             <a:pPr lvl="1"/>
             <a:r>
-              <a:rPr lang="nl-NL" smtClean="0"/>
+              <a:rPr lang="nl-NL"/>
               <a:t>Tweede niveau</a:t>
             </a:r>
           </a:p>
           <a:p>
             <a:pPr lvl="2"/>
             <a:r>
-              <a:rPr lang="nl-NL" smtClean="0"/>
+              <a:rPr lang="nl-NL"/>
               <a:t>Derde niveau</a:t>
             </a:r>
           </a:p>
           <a:p>
             <a:pPr lvl="3"/>
             <a:r>
-              <a:rPr lang="nl-NL" smtClean="0"/>
+              <a:rPr lang="nl-NL"/>
               <a:t>Vierde niveau</a:t>
             </a:r>
           </a:p>
           <a:p>
             <a:pPr lvl="4"/>
             <a:r>
-              <a:rPr lang="nl-NL" smtClean="0"/>
+              <a:rPr lang="nl-NL"/>
               <a:t>Vijfde niveau</a:t>
             </a:r>
             <a:endParaRPr lang="nl-NL" dirty="0"/>
@@ -2022,35 +2103,35 @@
           <a:p>
             <a:pPr lvl="0"/>
             <a:r>
-              <a:rPr lang="nl-NL" smtClean="0"/>
+              <a:rPr lang="nl-NL"/>
               <a:t>Klik om de modelstijlen te bewerken</a:t>
             </a:r>
           </a:p>
           <a:p>
             <a:pPr lvl="1"/>
             <a:r>
-              <a:rPr lang="nl-NL" smtClean="0"/>
+              <a:rPr lang="nl-NL"/>
               <a:t>Tweede niveau</a:t>
             </a:r>
           </a:p>
           <a:p>
             <a:pPr lvl="2"/>
             <a:r>
-              <a:rPr lang="nl-NL" smtClean="0"/>
+              <a:rPr lang="nl-NL"/>
               <a:t>Derde niveau</a:t>
             </a:r>
           </a:p>
           <a:p>
             <a:pPr lvl="3"/>
             <a:r>
-              <a:rPr lang="nl-NL" smtClean="0"/>
+              <a:rPr lang="nl-NL"/>
               <a:t>Vierde niveau</a:t>
             </a:r>
           </a:p>
           <a:p>
             <a:pPr lvl="4"/>
             <a:r>
-              <a:rPr lang="nl-NL" smtClean="0"/>
+              <a:rPr lang="nl-NL"/>
               <a:t>Vijfde niveau</a:t>
             </a:r>
             <a:endParaRPr lang="nl-NL" dirty="0"/>
@@ -2074,7 +2155,7 @@
           <a:p>
             <a:fld id="{03F41C87-7AD9-4845-A077-840E4A0F3F06}" type="datetimeFigureOut">
               <a:rPr lang="nl-NL" smtClean="0"/>
-              <a:t>13-1-2016</a:t>
+              <a:t>15-1-2016</a:t>
             </a:fld>
             <a:endParaRPr lang="nl-NL" dirty="0"/>
           </a:p>
@@ -2144,13 +2225,6 @@
       </p:transition>
     </mc:Fallback>
   </mc:AlternateContent>
-  <p:timing>
-    <p:tnLst>
-      <p:par>
-        <p:cTn id="1" dur="indefinite" restart="never" nodeType="tmRoot"/>
-      </p:par>
-    </p:tnLst>
-  </p:timing>
 </p:sldLayout>
 </file>
 
@@ -2196,7 +2270,7 @@
           </a:lstStyle>
           <a:p>
             <a:r>
-              <a:rPr lang="nl-NL" smtClean="0"/>
+              <a:rPr lang="nl-NL"/>
               <a:t>Klik om de stijl te bewerken</a:t>
             </a:r>
             <a:endParaRPr lang="nl-NL" dirty="0"/>
@@ -2271,7 +2345,7 @@
           <a:p>
             <a:pPr lvl="0"/>
             <a:r>
-              <a:rPr lang="nl-NL" smtClean="0"/>
+              <a:rPr lang="nl-NL"/>
               <a:t>Klik om de modelstijlen te bewerken</a:t>
             </a:r>
           </a:p>
@@ -2329,35 +2403,35 @@
           <a:p>
             <a:pPr lvl="0"/>
             <a:r>
-              <a:rPr lang="nl-NL" smtClean="0"/>
+              <a:rPr lang="nl-NL"/>
               <a:t>Klik om de modelstijlen te bewerken</a:t>
             </a:r>
           </a:p>
           <a:p>
             <a:pPr lvl="1"/>
             <a:r>
-              <a:rPr lang="nl-NL" smtClean="0"/>
+              <a:rPr lang="nl-NL"/>
               <a:t>Tweede niveau</a:t>
             </a:r>
           </a:p>
           <a:p>
             <a:pPr lvl="2"/>
             <a:r>
-              <a:rPr lang="nl-NL" smtClean="0"/>
+              <a:rPr lang="nl-NL"/>
               <a:t>Derde niveau</a:t>
             </a:r>
           </a:p>
           <a:p>
             <a:pPr lvl="3"/>
             <a:r>
-              <a:rPr lang="nl-NL" smtClean="0"/>
+              <a:rPr lang="nl-NL"/>
               <a:t>Vierde niveau</a:t>
             </a:r>
           </a:p>
           <a:p>
             <a:pPr lvl="4"/>
             <a:r>
-              <a:rPr lang="nl-NL" smtClean="0"/>
+              <a:rPr lang="nl-NL"/>
               <a:t>Vijfde niveau</a:t>
             </a:r>
             <a:endParaRPr lang="nl-NL" dirty="0"/>
@@ -2432,7 +2506,7 @@
           <a:p>
             <a:pPr lvl="0"/>
             <a:r>
-              <a:rPr lang="nl-NL" smtClean="0"/>
+              <a:rPr lang="nl-NL"/>
               <a:t>Klik om de modelstijlen te bewerken</a:t>
             </a:r>
           </a:p>
@@ -2490,35 +2564,35 @@
           <a:p>
             <a:pPr lvl="0"/>
             <a:r>
-              <a:rPr lang="nl-NL" smtClean="0"/>
+              <a:rPr lang="nl-NL"/>
               <a:t>Klik om de modelstijlen te bewerken</a:t>
             </a:r>
           </a:p>
           <a:p>
             <a:pPr lvl="1"/>
             <a:r>
-              <a:rPr lang="nl-NL" smtClean="0"/>
+              <a:rPr lang="nl-NL"/>
               <a:t>Tweede niveau</a:t>
             </a:r>
           </a:p>
           <a:p>
             <a:pPr lvl="2"/>
             <a:r>
-              <a:rPr lang="nl-NL" smtClean="0"/>
+              <a:rPr lang="nl-NL"/>
               <a:t>Derde niveau</a:t>
             </a:r>
           </a:p>
           <a:p>
             <a:pPr lvl="3"/>
             <a:r>
-              <a:rPr lang="nl-NL" smtClean="0"/>
+              <a:rPr lang="nl-NL"/>
               <a:t>Vierde niveau</a:t>
             </a:r>
           </a:p>
           <a:p>
             <a:pPr lvl="4"/>
             <a:r>
-              <a:rPr lang="nl-NL" smtClean="0"/>
+              <a:rPr lang="nl-NL"/>
               <a:t>Vijfde niveau</a:t>
             </a:r>
             <a:endParaRPr lang="nl-NL" dirty="0"/>
@@ -2542,7 +2616,7 @@
           <a:p>
             <a:fld id="{03F41C87-7AD9-4845-A077-840E4A0F3F06}" type="datetimeFigureOut">
               <a:rPr lang="nl-NL" smtClean="0"/>
-              <a:t>13-1-2016</a:t>
+              <a:t>15-1-2016</a:t>
             </a:fld>
             <a:endParaRPr lang="nl-NL" dirty="0"/>
           </a:p>
@@ -2612,13 +2686,6 @@
       </p:transition>
     </mc:Fallback>
   </mc:AlternateContent>
-  <p:timing>
-    <p:tnLst>
-      <p:par>
-        <p:cTn id="1" dur="indefinite" restart="never" nodeType="tmRoot"/>
-      </p:par>
-    </p:tnLst>
-  </p:timing>
 </p:sldLayout>
 </file>
 
@@ -2655,7 +2722,7 @@
           <a:lstStyle/>
           <a:p>
             <a:r>
-              <a:rPr lang="nl-NL" smtClean="0"/>
+              <a:rPr lang="nl-NL"/>
               <a:t>Klik om de stijl te bewerken</a:t>
             </a:r>
             <a:endParaRPr lang="nl-NL" dirty="0"/>
@@ -2679,7 +2746,7 @@
           <a:p>
             <a:fld id="{03F41C87-7AD9-4845-A077-840E4A0F3F06}" type="datetimeFigureOut">
               <a:rPr lang="nl-NL" smtClean="0"/>
-              <a:t>13-1-2016</a:t>
+              <a:t>15-1-2016</a:t>
             </a:fld>
             <a:endParaRPr lang="nl-NL" dirty="0"/>
           </a:p>
@@ -2749,13 +2816,6 @@
       </p:transition>
     </mc:Fallback>
   </mc:AlternateContent>
-  <p:timing>
-    <p:tnLst>
-      <p:par>
-        <p:cTn id="1" dur="indefinite" restart="never" nodeType="tmRoot"/>
-      </p:par>
-    </p:tnLst>
-  </p:timing>
 </p:sldLayout>
 </file>
 
@@ -2801,7 +2861,7 @@
           <a:p>
             <a:fld id="{03F41C87-7AD9-4845-A077-840E4A0F3F06}" type="datetimeFigureOut">
               <a:rPr lang="nl-NL" smtClean="0"/>
-              <a:t>13-1-2016</a:t>
+              <a:t>15-1-2016</a:t>
             </a:fld>
             <a:endParaRPr lang="nl-NL" dirty="0"/>
           </a:p>
@@ -2871,13 +2931,6 @@
       </p:transition>
     </mc:Fallback>
   </mc:AlternateContent>
-  <p:timing>
-    <p:tnLst>
-      <p:par>
-        <p:cTn id="1" dur="indefinite" restart="never" nodeType="tmRoot"/>
-      </p:par>
-    </p:tnLst>
-  </p:timing>
 </p:sldLayout>
 </file>
 
@@ -2946,7 +2999,7 @@
           </a:lstStyle>
           <a:p>
             <a:r>
-              <a:rPr lang="nl-NL" smtClean="0"/>
+              <a:rPr lang="nl-NL"/>
               <a:t>Klik om de stijl te bewerken</a:t>
             </a:r>
             <a:endParaRPr lang="nl-NL" dirty="0"/>
@@ -3005,35 +3058,35 @@
           <a:p>
             <a:pPr lvl="0"/>
             <a:r>
-              <a:rPr lang="nl-NL" smtClean="0"/>
+              <a:rPr lang="nl-NL"/>
               <a:t>Klik om de modelstijlen te bewerken</a:t>
             </a:r>
           </a:p>
           <a:p>
             <a:pPr lvl="1"/>
             <a:r>
-              <a:rPr lang="nl-NL" smtClean="0"/>
+              <a:rPr lang="nl-NL"/>
               <a:t>Tweede niveau</a:t>
             </a:r>
           </a:p>
           <a:p>
             <a:pPr lvl="2"/>
             <a:r>
-              <a:rPr lang="nl-NL" smtClean="0"/>
+              <a:rPr lang="nl-NL"/>
               <a:t>Derde niveau</a:t>
             </a:r>
           </a:p>
           <a:p>
             <a:pPr lvl="3"/>
             <a:r>
-              <a:rPr lang="nl-NL" smtClean="0"/>
+              <a:rPr lang="nl-NL"/>
               <a:t>Vierde niveau</a:t>
             </a:r>
           </a:p>
           <a:p>
             <a:pPr lvl="4"/>
             <a:r>
-              <a:rPr lang="nl-NL" smtClean="0"/>
+              <a:rPr lang="nl-NL"/>
               <a:t>Vijfde niveau</a:t>
             </a:r>
             <a:endParaRPr lang="nl-NL" dirty="0"/>
@@ -3107,7 +3160,7 @@
           <a:p>
             <a:pPr lvl="0"/>
             <a:r>
-              <a:rPr lang="nl-NL" smtClean="0"/>
+              <a:rPr lang="nl-NL"/>
               <a:t>Klik om de modelstijlen te bewerken</a:t>
             </a:r>
           </a:p>
@@ -3130,7 +3183,7 @@
           <a:p>
             <a:fld id="{03F41C87-7AD9-4845-A077-840E4A0F3F06}" type="datetimeFigureOut">
               <a:rPr lang="nl-NL" smtClean="0"/>
-              <a:t>13-1-2016</a:t>
+              <a:t>15-1-2016</a:t>
             </a:fld>
             <a:endParaRPr lang="nl-NL" dirty="0"/>
           </a:p>
@@ -3200,13 +3253,6 @@
       </p:transition>
     </mc:Fallback>
   </mc:AlternateContent>
-  <p:timing>
-    <p:tnLst>
-      <p:par>
-        <p:cTn id="1" dur="indefinite" restart="never" nodeType="tmRoot"/>
-      </p:par>
-    </p:tnLst>
-  </p:timing>
 </p:sldLayout>
 </file>
 
@@ -3310,7 +3356,7 @@
           </a:lstStyle>
           <a:p>
             <a:r>
-              <a:rPr lang="nl-NL" smtClean="0"/>
+              <a:rPr lang="nl-NL"/>
               <a:t>Klik op het pictogram als u een afbeelding wilt toevoegen</a:t>
             </a:r>
             <a:endParaRPr lang="nl-NL" dirty="0"/>
@@ -3351,7 +3397,7 @@
           </a:lstStyle>
           <a:p>
             <a:r>
-              <a:rPr lang="nl-NL" smtClean="0"/>
+              <a:rPr lang="nl-NL"/>
               <a:t>Klik om de stijl te bewerken</a:t>
             </a:r>
             <a:endParaRPr lang="nl-NL" dirty="0"/>
@@ -3425,7 +3471,7 @@
           <a:p>
             <a:pPr lvl="0"/>
             <a:r>
-              <a:rPr lang="nl-NL" smtClean="0"/>
+              <a:rPr lang="nl-NL"/>
               <a:t>Klik om de modelstijlen te bewerken</a:t>
             </a:r>
           </a:p>
@@ -3449,7 +3495,7 @@
             <a:fld id="{03F41C87-7AD9-4845-A077-840E4A0F3F06}" type="datetimeFigureOut">
               <a:rPr lang="nl-NL" smtClean="0"/>
               <a:pPr/>
-              <a:t>13-1-2016</a:t>
+              <a:t>15-1-2016</a:t>
             </a:fld>
             <a:endParaRPr lang="nl-NL" dirty="0"/>
           </a:p>
@@ -3520,13 +3566,6 @@
       </p:transition>
     </mc:Fallback>
   </mc:AlternateContent>
-  <p:timing>
-    <p:tnLst>
-      <p:par>
-        <p:cTn id="1" dur="indefinite" restart="never" nodeType="tmRoot"/>
-      </p:par>
-    </p:tnLst>
-  </p:timing>
 </p:sldLayout>
 </file>
 
@@ -3587,10 +3626,9 @@
           <a:lstStyle/>
           <a:p>
             <a:r>
-              <a:rPr lang="nl-NL" dirty="0" smtClean="0"/>
+              <a:rPr lang="nl-NL" dirty="0"/>
               <a:t>Klik om de stijl te bewerken</a:t>
             </a:r>
-            <a:endParaRPr lang="nl-NL" dirty="0"/>
           </a:p>
         </p:txBody>
       </p:sp>
@@ -3621,38 +3659,37 @@
           <a:p>
             <a:pPr lvl="0"/>
             <a:r>
-              <a:rPr lang="nl-NL" dirty="0" smtClean="0"/>
+              <a:rPr lang="nl-NL" dirty="0"/>
               <a:t>Klik om de modelstijlen te bewerken</a:t>
             </a:r>
           </a:p>
           <a:p>
             <a:pPr lvl="1"/>
             <a:r>
-              <a:rPr lang="nl-NL" dirty="0" smtClean="0"/>
+              <a:rPr lang="nl-NL" dirty="0"/>
               <a:t>Tweede niveau</a:t>
             </a:r>
           </a:p>
           <a:p>
             <a:pPr lvl="2"/>
             <a:r>
-              <a:rPr lang="nl-NL" dirty="0" smtClean="0"/>
+              <a:rPr lang="nl-NL" dirty="0"/>
               <a:t>Derde niveau</a:t>
             </a:r>
           </a:p>
           <a:p>
             <a:pPr lvl="3"/>
             <a:r>
-              <a:rPr lang="nl-NL" dirty="0" smtClean="0"/>
+              <a:rPr lang="nl-NL" dirty="0"/>
               <a:t>Vierde niveau</a:t>
             </a:r>
           </a:p>
           <a:p>
             <a:pPr lvl="4"/>
             <a:r>
-              <a:rPr lang="nl-NL" dirty="0" smtClean="0"/>
+              <a:rPr lang="nl-NL" dirty="0"/>
               <a:t>Vijfde niveau</a:t>
             </a:r>
-            <a:endParaRPr lang="nl-NL" dirty="0"/>
           </a:p>
         </p:txBody>
       </p:sp>
@@ -3692,7 +3729,7 @@
             <a:fld id="{03F41C87-7AD9-4845-A077-840E4A0F3F06}" type="datetimeFigureOut">
               <a:rPr lang="nl-NL" smtClean="0"/>
               <a:pPr/>
-              <a:t>13-1-2016</a:t>
+              <a:t>15-1-2016</a:t>
             </a:fld>
             <a:endParaRPr lang="nl-NL" dirty="0"/>
           </a:p>
@@ -3810,13 +3847,6 @@
       </p:transition>
     </mc:Fallback>
   </mc:AlternateContent>
-  <p:timing>
-    <p:tnLst>
-      <p:par>
-        <p:cTn id="1" dur="indefinite" restart="never" nodeType="tmRoot"/>
-      </p:par>
-    </p:tnLst>
-  </p:timing>
   <p:txStyles>
     <p:titleStyle>
       <a:lvl1pPr algn="l" defTabSz="914400" rtl="0" eaLnBrk="1" latinLnBrk="0" hangingPunct="1">
@@ -4153,11 +4183,11 @@
           <a:lstStyle/>
           <a:p>
             <a:r>
-              <a:rPr lang="nl-NL" dirty="0" smtClean="0"/>
+              <a:rPr lang="nl-NL" dirty="0"/>
               <a:t>RFID </a:t>
             </a:r>
             <a:r>
-              <a:rPr lang="nl-NL" dirty="0" err="1" smtClean="0"/>
+              <a:rPr lang="nl-NL" dirty="0" err="1"/>
               <a:t>cloner</a:t>
             </a:r>
             <a:endParaRPr lang="nl-NL" dirty="0"/>
@@ -4180,27 +4210,27 @@
           <a:lstStyle/>
           <a:p>
             <a:r>
-              <a:rPr lang="nl-NL" dirty="0" smtClean="0"/>
+              <a:rPr lang="nl-NL" dirty="0"/>
               <a:t>Michael </a:t>
             </a:r>
             <a:r>
-              <a:rPr lang="nl-NL" dirty="0" err="1" smtClean="0"/>
+              <a:rPr lang="nl-NL" dirty="0" err="1"/>
               <a:t>marivoet</a:t>
             </a:r>
             <a:r>
-              <a:rPr lang="nl-NL" dirty="0" smtClean="0"/>
+              <a:rPr lang="nl-NL" dirty="0"/>
               <a:t> &amp; </a:t>
             </a:r>
             <a:r>
-              <a:rPr lang="nl-NL" dirty="0" err="1" smtClean="0"/>
+              <a:rPr lang="nl-NL" dirty="0" err="1"/>
               <a:t>ward</a:t>
             </a:r>
             <a:r>
-              <a:rPr lang="nl-NL" dirty="0" smtClean="0"/>
+              <a:rPr lang="nl-NL" dirty="0"/>
               <a:t> de </a:t>
             </a:r>
             <a:r>
-              <a:rPr lang="nl-NL" dirty="0" err="1" smtClean="0"/>
+              <a:rPr lang="nl-NL" dirty="0" err="1"/>
               <a:t>beuckelaer</a:t>
             </a:r>
             <a:endParaRPr lang="nl-NL" dirty="0"/>
@@ -4229,13 +4259,192 @@
       </p:transition>
     </mc:Fallback>
   </mc:AlternateContent>
-  <p:timing>
-    <p:tnLst>
-      <p:par>
-        <p:cTn id="1" dur="indefinite" restart="never" nodeType="tmRoot"/>
-      </p:par>
-    </p:tnLst>
-  </p:timing>
+</p:sld>
+</file>
+
+<file path=ppt/slides/slide10.xml><?xml version="1.0" encoding="utf-8"?>
+<p:sld xmlns:a="http://schemas.openxmlformats.org/drawingml/2006/main" xmlns:r="http://schemas.openxmlformats.org/officeDocument/2006/relationships" xmlns:p="http://schemas.openxmlformats.org/presentationml/2006/main">
+  <p:cSld>
+    <p:spTree>
+      <p:nvGrpSpPr>
+        <p:cNvPr id="1" name=""/>
+        <p:cNvGrpSpPr/>
+        <p:nvPr/>
+      </p:nvGrpSpPr>
+      <p:grpSpPr>
+        <a:xfrm>
+          <a:off x="0" y="0"/>
+          <a:ext cx="0" cy="0"/>
+          <a:chOff x="0" y="0"/>
+          <a:chExt cx="0" cy="0"/>
+        </a:xfrm>
+      </p:grpSpPr>
+      <p:sp>
+        <p:nvSpPr>
+          <p:cNvPr id="2" name="Titel 1"/>
+          <p:cNvSpPr>
+            <a:spLocks noGrp="1"/>
+          </p:cNvSpPr>
+          <p:nvPr>
+            <p:ph type="title"/>
+          </p:nvPr>
+        </p:nvSpPr>
+        <p:spPr/>
+        <p:txBody>
+          <a:bodyPr/>
+          <a:lstStyle/>
+          <a:p>
+            <a:r>
+              <a:rPr lang="nl-BE" dirty="0"/>
+              <a:t>Eindstatus</a:t>
+            </a:r>
+          </a:p>
+        </p:txBody>
+      </p:sp>
+      <p:sp>
+        <p:nvSpPr>
+          <p:cNvPr id="3" name="Tijdelijke aanduiding voor inhoud 2"/>
+          <p:cNvSpPr>
+            <a:spLocks noGrp="1"/>
+          </p:cNvSpPr>
+          <p:nvPr>
+            <p:ph idx="1"/>
+          </p:nvPr>
+        </p:nvSpPr>
+        <p:spPr/>
+        <p:txBody>
+          <a:bodyPr/>
+          <a:lstStyle/>
+          <a:p>
+            <a:r>
+              <a:rPr lang="nl-BE" dirty="0"/>
+              <a:t>Geen kopie demo</a:t>
+            </a:r>
+          </a:p>
+          <a:p>
+            <a:r>
+              <a:rPr lang="nl-BE" dirty="0"/>
+              <a:t>Problemen met </a:t>
+            </a:r>
+            <a:r>
+              <a:rPr lang="nl-BE" dirty="0" err="1"/>
+              <a:t>library</a:t>
+            </a:r>
+            <a:endParaRPr lang="nl-BE"/>
+          </a:p>
+          <a:p>
+            <a:endParaRPr lang="nl-BE" dirty="0"/>
+          </a:p>
+        </p:txBody>
+      </p:sp>
+    </p:spTree>
+    <p:extLst>
+      <p:ext uri="{BB962C8B-B14F-4D97-AF65-F5344CB8AC3E}">
+        <p14:creationId xmlns:p14="http://schemas.microsoft.com/office/powerpoint/2010/main" val="399558079"/>
+      </p:ext>
+    </p:extLst>
+  </p:cSld>
+  <p:clrMapOvr>
+    <a:masterClrMapping/>
+  </p:clrMapOvr>
+  <mc:AlternateContent xmlns:mc="http://schemas.openxmlformats.org/markup-compatibility/2006" xmlns:p14="http://schemas.microsoft.com/office/powerpoint/2010/main">
+    <mc:Choice Requires="p14">
+      <p:transition spd="med" p14:dur="700">
+        <p:fade/>
+      </p:transition>
+    </mc:Choice>
+    <mc:Fallback xmlns="">
+      <p:transition spd="med">
+        <p:fade/>
+      </p:transition>
+    </mc:Fallback>
+  </mc:AlternateContent>
+</p:sld>
+</file>
+
+<file path=ppt/slides/slide11.xml><?xml version="1.0" encoding="utf-8"?>
+<p:sld xmlns:a="http://schemas.openxmlformats.org/drawingml/2006/main" xmlns:r="http://schemas.openxmlformats.org/officeDocument/2006/relationships" xmlns:p="http://schemas.openxmlformats.org/presentationml/2006/main">
+  <p:cSld>
+    <p:spTree>
+      <p:nvGrpSpPr>
+        <p:cNvPr id="1" name=""/>
+        <p:cNvGrpSpPr/>
+        <p:nvPr/>
+      </p:nvGrpSpPr>
+      <p:grpSpPr>
+        <a:xfrm>
+          <a:off x="0" y="0"/>
+          <a:ext cx="0" cy="0"/>
+          <a:chOff x="0" y="0"/>
+          <a:chExt cx="0" cy="0"/>
+        </a:xfrm>
+      </p:grpSpPr>
+      <p:sp>
+        <p:nvSpPr>
+          <p:cNvPr id="2" name="Titel 1"/>
+          <p:cNvSpPr>
+            <a:spLocks noGrp="1"/>
+          </p:cNvSpPr>
+          <p:nvPr>
+            <p:ph type="title"/>
+          </p:nvPr>
+        </p:nvSpPr>
+        <p:spPr/>
+        <p:txBody>
+          <a:bodyPr/>
+          <a:lstStyle/>
+          <a:p>
+            <a:r>
+              <a:rPr lang="nl-BE" dirty="0"/>
+              <a:t>Einde presentatie</a:t>
+            </a:r>
+          </a:p>
+        </p:txBody>
+      </p:sp>
+      <p:sp>
+        <p:nvSpPr>
+          <p:cNvPr id="3" name="Tijdelijke aanduiding voor tekst 2"/>
+          <p:cNvSpPr>
+            <a:spLocks noGrp="1"/>
+          </p:cNvSpPr>
+          <p:nvPr>
+            <p:ph type="body" idx="1"/>
+          </p:nvPr>
+        </p:nvSpPr>
+        <p:spPr/>
+        <p:txBody>
+          <a:bodyPr/>
+          <a:lstStyle/>
+          <a:p>
+            <a:r>
+              <a:rPr lang="nl-BE" dirty="0"/>
+              <a:t>Bedankt voor de aandacht</a:t>
+            </a:r>
+          </a:p>
+        </p:txBody>
+      </p:sp>
+    </p:spTree>
+    <p:extLst>
+      <p:ext uri="{BB962C8B-B14F-4D97-AF65-F5344CB8AC3E}">
+        <p14:creationId xmlns:p14="http://schemas.microsoft.com/office/powerpoint/2010/main" val="2248120407"/>
+      </p:ext>
+    </p:extLst>
+  </p:cSld>
+  <p:clrMapOvr>
+    <a:masterClrMapping/>
+  </p:clrMapOvr>
+  <mc:AlternateContent xmlns:mc="http://schemas.openxmlformats.org/markup-compatibility/2006" xmlns:p14="http://schemas.microsoft.com/office/powerpoint/2010/main">
+    <mc:Choice Requires="p14">
+      <p:transition spd="med" p14:dur="700">
+        <p:fade/>
+      </p:transition>
+    </mc:Choice>
+    <mc:Fallback xmlns="">
+      <p:transition spd="med">
+        <p:fade/>
+      </p:transition>
+    </mc:Fallback>
+  </mc:AlternateContent>
 </p:sld>
 </file>
 
@@ -4272,21 +4481,20 @@
           <a:lstStyle/>
           <a:p>
             <a:r>
-              <a:rPr lang="nl-BE" dirty="0" smtClean="0"/>
-              <a:t>Einde presentatie</a:t>
-            </a:r>
-            <a:endParaRPr lang="nl-BE" dirty="0"/>
-          </a:p>
-        </p:txBody>
-      </p:sp>
-      <p:sp>
-        <p:nvSpPr>
-          <p:cNvPr id="3" name="Tijdelijke aanduiding voor tekst 2"/>
-          <p:cNvSpPr>
-            <a:spLocks noGrp="1"/>
-          </p:cNvSpPr>
-          <p:nvPr>
-            <p:ph type="body" idx="1"/>
+              <a:rPr lang="nl-BE"/>
+              <a:t>Gebruikte componenten</a:t>
+            </a:r>
+          </a:p>
+        </p:txBody>
+      </p:sp>
+      <p:sp>
+        <p:nvSpPr>
+          <p:cNvPr id="3" name="Tijdelijke aanduiding voor inhoud 2"/>
+          <p:cNvSpPr>
+            <a:spLocks noGrp="1"/>
+          </p:cNvSpPr>
+          <p:nvPr>
+            <p:ph idx="1"/>
           </p:nvPr>
         </p:nvSpPr>
         <p:spPr/>
@@ -4295,17 +4503,924 @@
           <a:lstStyle/>
           <a:p>
             <a:r>
-              <a:rPr lang="nl-BE" dirty="0" smtClean="0"/>
-              <a:t>Bedankt voor de aandacht</a:t>
-            </a:r>
-            <a:endParaRPr lang="nl-BE" dirty="0"/>
+              <a:rPr lang="nl-BE"/>
+              <a:t>Raspberry PI / Arduino</a:t>
+            </a:r>
+          </a:p>
+          <a:p>
+            <a:r>
+              <a:rPr lang="nl-BE"/>
+              <a:t>RFID reader / writer RC522</a:t>
+            </a:r>
+          </a:p>
+          <a:p>
+            <a:r>
+              <a:rPr lang="nl-BE"/>
+              <a:t>NFC kaarten en tags</a:t>
+            </a:r>
           </a:p>
         </p:txBody>
       </p:sp>
     </p:spTree>
     <p:extLst>
       <p:ext uri="{BB962C8B-B14F-4D97-AF65-F5344CB8AC3E}">
-        <p14:creationId xmlns:p14="http://schemas.microsoft.com/office/powerpoint/2010/main" val="2248120407"/>
+        <p14:creationId xmlns:p14="http://schemas.microsoft.com/office/powerpoint/2010/main" val="960110101"/>
+      </p:ext>
+    </p:extLst>
+  </p:cSld>
+  <p:clrMapOvr>
+    <a:masterClrMapping/>
+  </p:clrMapOvr>
+  <mc:AlternateContent xmlns:mc="http://schemas.openxmlformats.org/markup-compatibility/2006" xmlns:p14="http://schemas.microsoft.com/office/powerpoint/2010/main">
+    <mc:Choice Requires="p14">
+      <p:transition spd="med" p14:dur="700">
+        <p:fade/>
+      </p:transition>
+    </mc:Choice>
+    <mc:Fallback xmlns="">
+      <p:transition spd="med">
+        <p:fade/>
+      </p:transition>
+    </mc:Fallback>
+  </mc:AlternateContent>
+</p:sld>
+</file>
+
+<file path=ppt/slides/slide3.xml><?xml version="1.0" encoding="utf-8"?>
+<p:sld xmlns:a="http://schemas.openxmlformats.org/drawingml/2006/main" xmlns:r="http://schemas.openxmlformats.org/officeDocument/2006/relationships" xmlns:p="http://schemas.openxmlformats.org/presentationml/2006/main">
+  <p:cSld>
+    <p:spTree>
+      <p:nvGrpSpPr>
+        <p:cNvPr id="1" name=""/>
+        <p:cNvGrpSpPr/>
+        <p:nvPr/>
+      </p:nvGrpSpPr>
+      <p:grpSpPr>
+        <a:xfrm>
+          <a:off x="0" y="0"/>
+          <a:ext cx="0" cy="0"/>
+          <a:chOff x="0" y="0"/>
+          <a:chExt cx="0" cy="0"/>
+        </a:xfrm>
+      </p:grpSpPr>
+      <p:sp>
+        <p:nvSpPr>
+          <p:cNvPr id="2" name="Titel 1"/>
+          <p:cNvSpPr>
+            <a:spLocks noGrp="1"/>
+          </p:cNvSpPr>
+          <p:nvPr>
+            <p:ph type="title"/>
+          </p:nvPr>
+        </p:nvSpPr>
+        <p:spPr/>
+        <p:txBody>
+          <a:bodyPr/>
+          <a:lstStyle/>
+          <a:p>
+            <a:r>
+              <a:rPr lang="nl-BE"/>
+              <a:t>Gebruikte libraries</a:t>
+            </a:r>
+          </a:p>
+        </p:txBody>
+      </p:sp>
+      <p:sp>
+        <p:nvSpPr>
+          <p:cNvPr id="3" name="Tijdelijke aanduiding voor inhoud 2"/>
+          <p:cNvSpPr>
+            <a:spLocks noGrp="1"/>
+          </p:cNvSpPr>
+          <p:nvPr>
+            <p:ph idx="1"/>
+          </p:nvPr>
+        </p:nvSpPr>
+        <p:spPr/>
+        <p:txBody>
+          <a:bodyPr/>
+          <a:lstStyle/>
+          <a:p>
+            <a:r>
+              <a:rPr lang="nl-BE"/>
+              <a:t>SPI.h</a:t>
+            </a:r>
+          </a:p>
+          <a:p>
+            <a:r>
+              <a:rPr lang="nl-BE"/>
+              <a:t>MRFC522.h</a:t>
+            </a:r>
+          </a:p>
+        </p:txBody>
+      </p:sp>
+    </p:spTree>
+    <p:extLst>
+      <p:ext uri="{BB962C8B-B14F-4D97-AF65-F5344CB8AC3E}">
+        <p14:creationId xmlns:p14="http://schemas.microsoft.com/office/powerpoint/2010/main" val="2530748738"/>
+      </p:ext>
+    </p:extLst>
+  </p:cSld>
+  <p:clrMapOvr>
+    <a:masterClrMapping/>
+  </p:clrMapOvr>
+  <mc:AlternateContent xmlns:mc="http://schemas.openxmlformats.org/markup-compatibility/2006" xmlns:p14="http://schemas.microsoft.com/office/powerpoint/2010/main">
+    <mc:Choice Requires="p14">
+      <p:transition spd="med" p14:dur="700">
+        <p:fade/>
+      </p:transition>
+    </mc:Choice>
+    <mc:Fallback xmlns="">
+      <p:transition spd="med">
+        <p:fade/>
+      </p:transition>
+    </mc:Fallback>
+  </mc:AlternateContent>
+</p:sld>
+</file>
+
+<file path=ppt/slides/slide4.xml><?xml version="1.0" encoding="utf-8"?>
+<p:sld xmlns:a="http://schemas.openxmlformats.org/drawingml/2006/main" xmlns:r="http://schemas.openxmlformats.org/officeDocument/2006/relationships" xmlns:p="http://schemas.openxmlformats.org/presentationml/2006/main">
+  <p:cSld>
+    <p:spTree>
+      <p:nvGrpSpPr>
+        <p:cNvPr id="1" name=""/>
+        <p:cNvGrpSpPr/>
+        <p:nvPr/>
+      </p:nvGrpSpPr>
+      <p:grpSpPr>
+        <a:xfrm>
+          <a:off x="0" y="0"/>
+          <a:ext cx="0" cy="0"/>
+          <a:chOff x="0" y="0"/>
+          <a:chExt cx="0" cy="0"/>
+        </a:xfrm>
+      </p:grpSpPr>
+      <p:sp>
+        <p:nvSpPr>
+          <p:cNvPr id="2" name="Titel 1"/>
+          <p:cNvSpPr>
+            <a:spLocks noGrp="1"/>
+          </p:cNvSpPr>
+          <p:nvPr>
+            <p:ph type="title"/>
+          </p:nvPr>
+        </p:nvSpPr>
+        <p:spPr/>
+        <p:txBody>
+          <a:bodyPr/>
+          <a:lstStyle/>
+          <a:p>
+            <a:r>
+              <a:rPr lang="nl-BE" dirty="0" smtClean="0"/>
+              <a:t>Principe</a:t>
+            </a:r>
+            <a:endParaRPr lang="nl-BE" dirty="0"/>
+          </a:p>
+        </p:txBody>
+      </p:sp>
+      <p:sp>
+        <p:nvSpPr>
+          <p:cNvPr id="3" name="Tijdelijke aanduiding voor inhoud 2"/>
+          <p:cNvSpPr>
+            <a:spLocks noGrp="1"/>
+          </p:cNvSpPr>
+          <p:nvPr>
+            <p:ph idx="1"/>
+          </p:nvPr>
+        </p:nvSpPr>
+        <p:spPr/>
+        <p:txBody>
+          <a:bodyPr/>
+          <a:lstStyle/>
+          <a:p>
+            <a:r>
+              <a:rPr lang="nl-BE" dirty="0" smtClean="0"/>
+              <a:t>Code </a:t>
+            </a:r>
+            <a:r>
+              <a:rPr lang="nl-BE" dirty="0"/>
+              <a:t>om RFID reader te laten werken met </a:t>
+            </a:r>
+            <a:r>
+              <a:rPr lang="nl-BE" dirty="0" err="1"/>
+              <a:t>Arduino</a:t>
+            </a:r>
+            <a:endParaRPr lang="nl-BE" dirty="0"/>
+          </a:p>
+          <a:p>
+            <a:pPr marL="587375" lvl="1" indent="-342900">
+              <a:buFont typeface="+mj-lt"/>
+              <a:buAutoNum type="arabicPeriod"/>
+            </a:pPr>
+            <a:r>
+              <a:rPr lang="nl-BE" dirty="0"/>
+              <a:t>Data op  NFC kaart lezen</a:t>
+            </a:r>
+          </a:p>
+          <a:p>
+            <a:pPr marL="587375" lvl="1" indent="-342900">
+              <a:buFont typeface="+mj-lt"/>
+              <a:buAutoNum type="arabicPeriod"/>
+            </a:pPr>
+            <a:r>
+              <a:rPr lang="nl-BE" dirty="0"/>
+              <a:t>Data opslaan in </a:t>
+            </a:r>
+            <a:r>
+              <a:rPr lang="nl-BE" dirty="0" smtClean="0"/>
+              <a:t>intern geheugen</a:t>
+            </a:r>
+            <a:endParaRPr lang="nl-BE" dirty="0"/>
+          </a:p>
+          <a:p>
+            <a:pPr marL="587375" lvl="1" indent="-342900">
+              <a:buFont typeface="+mj-lt"/>
+              <a:buAutoNum type="arabicPeriod"/>
+            </a:pPr>
+            <a:r>
+              <a:rPr lang="nl-BE" dirty="0"/>
+              <a:t>Data schrijven naar  lege NFC kaart</a:t>
+            </a:r>
+          </a:p>
+        </p:txBody>
+      </p:sp>
+    </p:spTree>
+    <p:extLst>
+      <p:ext uri="{BB962C8B-B14F-4D97-AF65-F5344CB8AC3E}">
+        <p14:creationId xmlns:p14="http://schemas.microsoft.com/office/powerpoint/2010/main" val="4257318571"/>
+      </p:ext>
+    </p:extLst>
+  </p:cSld>
+  <p:clrMapOvr>
+    <a:masterClrMapping/>
+  </p:clrMapOvr>
+  <mc:AlternateContent xmlns:mc="http://schemas.openxmlformats.org/markup-compatibility/2006" xmlns:p14="http://schemas.microsoft.com/office/powerpoint/2010/main">
+    <mc:Choice Requires="p14">
+      <p:transition spd="med" p14:dur="700">
+        <p:fade/>
+      </p:transition>
+    </mc:Choice>
+    <mc:Fallback xmlns="">
+      <p:transition spd="med">
+        <p:fade/>
+      </p:transition>
+    </mc:Fallback>
+  </mc:AlternateContent>
+</p:sld>
+</file>
+
+<file path=ppt/slides/slide5.xml><?xml version="1.0" encoding="utf-8"?>
+<p:sld xmlns:a="http://schemas.openxmlformats.org/drawingml/2006/main" xmlns:r="http://schemas.openxmlformats.org/officeDocument/2006/relationships" xmlns:p="http://schemas.openxmlformats.org/presentationml/2006/main">
+  <p:cSld>
+    <p:spTree>
+      <p:nvGrpSpPr>
+        <p:cNvPr id="1" name=""/>
+        <p:cNvGrpSpPr/>
+        <p:nvPr/>
+      </p:nvGrpSpPr>
+      <p:grpSpPr>
+        <a:xfrm>
+          <a:off x="0" y="0"/>
+          <a:ext cx="0" cy="0"/>
+          <a:chOff x="0" y="0"/>
+          <a:chExt cx="0" cy="0"/>
+        </a:xfrm>
+      </p:grpSpPr>
+      <p:sp>
+        <p:nvSpPr>
+          <p:cNvPr id="2" name="Titel 1"/>
+          <p:cNvSpPr>
+            <a:spLocks noGrp="1"/>
+          </p:cNvSpPr>
+          <p:nvPr>
+            <p:ph type="title"/>
+          </p:nvPr>
+        </p:nvSpPr>
+        <p:spPr/>
+        <p:txBody>
+          <a:bodyPr/>
+          <a:lstStyle/>
+          <a:p>
+            <a:r>
+              <a:rPr lang="nl-BE"/>
+              <a:t>RFID reader writer </a:t>
+            </a:r>
+          </a:p>
+        </p:txBody>
+      </p:sp>
+      <p:sp>
+        <p:nvSpPr>
+          <p:cNvPr id="3" name="Tijdelijke aanduiding voor inhoud 2"/>
+          <p:cNvSpPr>
+            <a:spLocks noGrp="1"/>
+          </p:cNvSpPr>
+          <p:nvPr>
+            <p:ph idx="1"/>
+          </p:nvPr>
+        </p:nvSpPr>
+        <p:spPr/>
+        <p:txBody>
+          <a:bodyPr/>
+          <a:lstStyle/>
+          <a:p>
+            <a:r>
+              <a:rPr lang="nl-BE"/>
+              <a:t>MISO</a:t>
+            </a:r>
+          </a:p>
+          <a:p>
+            <a:r>
+              <a:rPr lang="nl-BE"/>
+              <a:t>MOSI</a:t>
+            </a:r>
+          </a:p>
+          <a:p>
+            <a:r>
+              <a:rPr lang="nl-BE"/>
+              <a:t>SS</a:t>
+            </a:r>
+          </a:p>
+          <a:p>
+            <a:r>
+              <a:rPr lang="nl-BE"/>
+              <a:t>RST</a:t>
+            </a:r>
+          </a:p>
+          <a:p>
+            <a:r>
+              <a:rPr lang="nl-BE"/>
+              <a:t>SCK</a:t>
+            </a:r>
+          </a:p>
+          <a:p>
+            <a:r>
+              <a:rPr lang="nl-BE"/>
+              <a:t>Ground</a:t>
+            </a:r>
+          </a:p>
+          <a:p>
+            <a:r>
+              <a:rPr lang="nl-BE"/>
+              <a:t>Voeding</a:t>
+            </a:r>
+          </a:p>
+          <a:p>
+            <a:pPr marL="0" indent="0">
+              <a:buNone/>
+            </a:pPr>
+            <a:endParaRPr lang="nl-BE"/>
+          </a:p>
+          <a:p>
+            <a:pPr marL="0" indent="0">
+              <a:buNone/>
+            </a:pPr>
+            <a:endParaRPr lang="nl-BE"/>
+          </a:p>
+        </p:txBody>
+      </p:sp>
+      <p:pic>
+        <p:nvPicPr>
+          <p:cNvPr id="4" name="Afbeelding 3"/>
+          <p:cNvPicPr>
+            <a:picLocks noChangeAspect="1"/>
+          </p:cNvPicPr>
+          <p:nvPr/>
+        </p:nvPicPr>
+        <p:blipFill>
+          <a:blip r:embed="rId2"/>
+          <a:stretch>
+            <a:fillRect/>
+          </a:stretch>
+        </p:blipFill>
+        <p:spPr>
+          <a:xfrm>
+            <a:off x="7290312" y="4070507"/>
+            <a:ext cx="2987046" cy="1645923"/>
+          </a:xfrm>
+          <a:prstGeom prst="rect">
+            <a:avLst/>
+          </a:prstGeom>
+        </p:spPr>
+      </p:pic>
+    </p:spTree>
+    <p:extLst>
+      <p:ext uri="{BB962C8B-B14F-4D97-AF65-F5344CB8AC3E}">
+        <p14:creationId xmlns:p14="http://schemas.microsoft.com/office/powerpoint/2010/main" val="1354196929"/>
+      </p:ext>
+    </p:extLst>
+  </p:cSld>
+  <p:clrMapOvr>
+    <a:masterClrMapping/>
+  </p:clrMapOvr>
+  <mc:AlternateContent xmlns:mc="http://schemas.openxmlformats.org/markup-compatibility/2006" xmlns:p14="http://schemas.microsoft.com/office/powerpoint/2010/main">
+    <mc:Choice Requires="p14">
+      <p:transition spd="med" p14:dur="700">
+        <p:fade/>
+      </p:transition>
+    </mc:Choice>
+    <mc:Fallback xmlns="">
+      <p:transition spd="med">
+        <p:fade/>
+      </p:transition>
+    </mc:Fallback>
+  </mc:AlternateContent>
+</p:sld>
+</file>
+
+<file path=ppt/slides/slide6.xml><?xml version="1.0" encoding="utf-8"?>
+<p:sld xmlns:a="http://schemas.openxmlformats.org/drawingml/2006/main" xmlns:r="http://schemas.openxmlformats.org/officeDocument/2006/relationships" xmlns:p="http://schemas.openxmlformats.org/presentationml/2006/main">
+  <p:cSld>
+    <p:spTree>
+      <p:nvGrpSpPr>
+        <p:cNvPr id="1" name=""/>
+        <p:cNvGrpSpPr/>
+        <p:nvPr/>
+      </p:nvGrpSpPr>
+      <p:grpSpPr>
+        <a:xfrm>
+          <a:off x="0" y="0"/>
+          <a:ext cx="0" cy="0"/>
+          <a:chOff x="0" y="0"/>
+          <a:chExt cx="0" cy="0"/>
+        </a:xfrm>
+      </p:grpSpPr>
+      <p:sp>
+        <p:nvSpPr>
+          <p:cNvPr id="2" name="Titel 1"/>
+          <p:cNvSpPr>
+            <a:spLocks noGrp="1"/>
+          </p:cNvSpPr>
+          <p:nvPr>
+            <p:ph type="title"/>
+          </p:nvPr>
+        </p:nvSpPr>
+        <p:spPr/>
+        <p:txBody>
+          <a:bodyPr/>
+          <a:lstStyle/>
+          <a:p>
+            <a:r>
+              <a:rPr lang="nl-BE"/>
+              <a:t>SPI interfaces</a:t>
+            </a:r>
+          </a:p>
+        </p:txBody>
+      </p:sp>
+      <p:sp>
+        <p:nvSpPr>
+          <p:cNvPr id="3" name="Tijdelijke aanduiding voor inhoud 2"/>
+          <p:cNvSpPr>
+            <a:spLocks noGrp="1"/>
+          </p:cNvSpPr>
+          <p:nvPr>
+            <p:ph idx="1"/>
+          </p:nvPr>
+        </p:nvSpPr>
+        <p:spPr/>
+        <p:txBody>
+          <a:bodyPr/>
+          <a:lstStyle/>
+          <a:p>
+            <a:r>
+              <a:rPr lang="nl-BE"/>
+              <a:t>Afhankelijk van elk Arduino bordje</a:t>
+            </a:r>
+          </a:p>
+          <a:p>
+            <a:pPr marL="0" indent="0">
+              <a:buNone/>
+            </a:pPr>
+            <a:endParaRPr lang="nl-BE"/>
+          </a:p>
+        </p:txBody>
+      </p:sp>
+      <p:pic>
+        <p:nvPicPr>
+          <p:cNvPr id="4" name="Afbeelding 3"/>
+          <p:cNvPicPr>
+            <a:picLocks noChangeAspect="1"/>
+          </p:cNvPicPr>
+          <p:nvPr/>
+        </p:nvPicPr>
+        <p:blipFill>
+          <a:blip r:embed="rId2"/>
+          <a:stretch>
+            <a:fillRect/>
+          </a:stretch>
+        </p:blipFill>
+        <p:spPr>
+          <a:xfrm>
+            <a:off x="5341939" y="2762359"/>
+            <a:ext cx="5324475" cy="3381375"/>
+          </a:xfrm>
+          <a:prstGeom prst="rect">
+            <a:avLst/>
+          </a:prstGeom>
+        </p:spPr>
+      </p:pic>
+      <p:pic>
+        <p:nvPicPr>
+          <p:cNvPr id="5" name="Afbeelding 4"/>
+          <p:cNvPicPr>
+            <a:picLocks noChangeAspect="1"/>
+          </p:cNvPicPr>
+          <p:nvPr/>
+        </p:nvPicPr>
+        <p:blipFill>
+          <a:blip r:embed="rId3"/>
+          <a:stretch>
+            <a:fillRect/>
+          </a:stretch>
+        </p:blipFill>
+        <p:spPr>
+          <a:xfrm>
+            <a:off x="1965326" y="5053067"/>
+            <a:ext cx="2933700" cy="1028700"/>
+          </a:xfrm>
+          <a:prstGeom prst="rect">
+            <a:avLst/>
+          </a:prstGeom>
+        </p:spPr>
+      </p:pic>
+    </p:spTree>
+    <p:extLst>
+      <p:ext uri="{BB962C8B-B14F-4D97-AF65-F5344CB8AC3E}">
+        <p14:creationId xmlns:p14="http://schemas.microsoft.com/office/powerpoint/2010/main" val="3834945590"/>
+      </p:ext>
+    </p:extLst>
+  </p:cSld>
+  <p:clrMapOvr>
+    <a:masterClrMapping/>
+  </p:clrMapOvr>
+  <mc:AlternateContent xmlns:mc="http://schemas.openxmlformats.org/markup-compatibility/2006" xmlns:p14="http://schemas.microsoft.com/office/powerpoint/2010/main">
+    <mc:Choice Requires="p14">
+      <p:transition spd="med" p14:dur="700">
+        <p:fade/>
+      </p:transition>
+    </mc:Choice>
+    <mc:Fallback xmlns="">
+      <p:transition spd="med">
+        <p:fade/>
+      </p:transition>
+    </mc:Fallback>
+  </mc:AlternateContent>
+</p:sld>
+</file>
+
+<file path=ppt/slides/slide7.xml><?xml version="1.0" encoding="utf-8"?>
+<p:sld xmlns:a="http://schemas.openxmlformats.org/drawingml/2006/main" xmlns:r="http://schemas.openxmlformats.org/officeDocument/2006/relationships" xmlns:p="http://schemas.openxmlformats.org/presentationml/2006/main">
+  <p:cSld>
+    <p:spTree>
+      <p:nvGrpSpPr>
+        <p:cNvPr id="1" name=""/>
+        <p:cNvGrpSpPr/>
+        <p:nvPr/>
+      </p:nvGrpSpPr>
+      <p:grpSpPr>
+        <a:xfrm>
+          <a:off x="0" y="0"/>
+          <a:ext cx="0" cy="0"/>
+          <a:chOff x="0" y="0"/>
+          <a:chExt cx="0" cy="0"/>
+        </a:xfrm>
+      </p:grpSpPr>
+      <p:sp>
+        <p:nvSpPr>
+          <p:cNvPr id="2" name="Titel 1"/>
+          <p:cNvSpPr>
+            <a:spLocks noGrp="1"/>
+          </p:cNvSpPr>
+          <p:nvPr>
+            <p:ph type="title"/>
+          </p:nvPr>
+        </p:nvSpPr>
+        <p:spPr/>
+        <p:txBody>
+          <a:bodyPr/>
+          <a:lstStyle/>
+          <a:p>
+            <a:r>
+              <a:rPr lang="nl-BE" dirty="0"/>
+              <a:t>MIFARE classic</a:t>
+            </a:r>
+          </a:p>
+        </p:txBody>
+      </p:sp>
+      <p:sp>
+        <p:nvSpPr>
+          <p:cNvPr id="3" name="Tijdelijke aanduiding voor inhoud 2"/>
+          <p:cNvSpPr>
+            <a:spLocks noGrp="1"/>
+          </p:cNvSpPr>
+          <p:nvPr>
+            <p:ph idx="1"/>
+          </p:nvPr>
+        </p:nvSpPr>
+        <p:spPr/>
+        <p:txBody>
+          <a:bodyPr/>
+          <a:lstStyle/>
+          <a:p>
+            <a:r>
+              <a:rPr lang="nl-BE" dirty="0"/>
+              <a:t>1K &amp; 2K variant</a:t>
+            </a:r>
+          </a:p>
+          <a:p>
+            <a:r>
+              <a:rPr lang="nl-BE" dirty="0"/>
+              <a:t>Gebruikt EEPROM als geheugen</a:t>
+            </a:r>
+          </a:p>
+          <a:p>
+            <a:r>
+              <a:rPr lang="nl-BE" dirty="0"/>
+              <a:t>1K =&gt; 16 sectoren van 4 blokken met ieders 16 bytes</a:t>
+            </a:r>
+          </a:p>
+          <a:p>
+            <a:r>
+              <a:rPr lang="nl-BE" dirty="0"/>
+              <a:t>Blok 0 in sector  bevat UID, BBC en fabrikant informatie</a:t>
+            </a:r>
+          </a:p>
+          <a:p>
+            <a:r>
+              <a:rPr lang="nl-BE" dirty="0"/>
+              <a:t>Voor elke sector is er een </a:t>
+            </a:r>
+            <a:r>
+              <a:rPr lang="nl-BE" dirty="0" err="1"/>
+              <a:t>key</a:t>
+            </a:r>
+            <a:r>
+              <a:rPr lang="nl-BE" dirty="0"/>
+              <a:t> blok voorzien</a:t>
+            </a:r>
+          </a:p>
+          <a:p>
+            <a:r>
+              <a:rPr lang="nl-BE" dirty="0"/>
+              <a:t>Deze bevat </a:t>
+            </a:r>
+            <a:r>
+              <a:rPr lang="nl-BE" dirty="0" err="1"/>
+              <a:t>key</a:t>
+            </a:r>
+            <a:r>
+              <a:rPr lang="nl-BE" dirty="0"/>
+              <a:t> A en </a:t>
+            </a:r>
+            <a:r>
+              <a:rPr lang="nl-BE" dirty="0" err="1"/>
+              <a:t>key</a:t>
+            </a:r>
+            <a:r>
+              <a:rPr lang="nl-BE" dirty="0"/>
+              <a:t> B</a:t>
+            </a:r>
+          </a:p>
+          <a:p>
+            <a:r>
+              <a:rPr lang="nl-BE" dirty="0" err="1"/>
+              <a:t>Key</a:t>
+            </a:r>
+            <a:r>
+              <a:rPr lang="nl-BE" dirty="0"/>
+              <a:t> B is optioneel</a:t>
+            </a:r>
+          </a:p>
+        </p:txBody>
+      </p:sp>
+    </p:spTree>
+    <p:extLst>
+      <p:ext uri="{BB962C8B-B14F-4D97-AF65-F5344CB8AC3E}">
+        <p14:creationId xmlns:p14="http://schemas.microsoft.com/office/powerpoint/2010/main" val="1419359737"/>
+      </p:ext>
+    </p:extLst>
+  </p:cSld>
+  <p:clrMapOvr>
+    <a:masterClrMapping/>
+  </p:clrMapOvr>
+  <mc:AlternateContent xmlns:mc="http://schemas.openxmlformats.org/markup-compatibility/2006" xmlns:p14="http://schemas.microsoft.com/office/powerpoint/2010/main">
+    <mc:Choice Requires="p14">
+      <p:transition spd="med" p14:dur="700">
+        <p:fade/>
+      </p:transition>
+    </mc:Choice>
+    <mc:Fallback xmlns="">
+      <p:transition spd="med">
+        <p:fade/>
+      </p:transition>
+    </mc:Fallback>
+  </mc:AlternateContent>
+</p:sld>
+</file>
+
+<file path=ppt/slides/slide8.xml><?xml version="1.0" encoding="utf-8"?>
+<p:sld xmlns:a="http://schemas.openxmlformats.org/drawingml/2006/main" xmlns:r="http://schemas.openxmlformats.org/officeDocument/2006/relationships" xmlns:p="http://schemas.openxmlformats.org/presentationml/2006/main">
+  <p:cSld>
+    <p:spTree>
+      <p:nvGrpSpPr>
+        <p:cNvPr id="1" name=""/>
+        <p:cNvGrpSpPr/>
+        <p:nvPr/>
+      </p:nvGrpSpPr>
+      <p:grpSpPr>
+        <a:xfrm>
+          <a:off x="0" y="0"/>
+          <a:ext cx="0" cy="0"/>
+          <a:chOff x="0" y="0"/>
+          <a:chExt cx="0" cy="0"/>
+        </a:xfrm>
+      </p:grpSpPr>
+      <p:sp>
+        <p:nvSpPr>
+          <p:cNvPr id="2" name="Titel 1"/>
+          <p:cNvSpPr>
+            <a:spLocks noGrp="1"/>
+          </p:cNvSpPr>
+          <p:nvPr>
+            <p:ph type="title"/>
+          </p:nvPr>
+        </p:nvSpPr>
+        <p:spPr/>
+        <p:txBody>
+          <a:bodyPr/>
+          <a:lstStyle/>
+          <a:p>
+            <a:r>
+              <a:rPr lang="nl-BE" dirty="0"/>
+              <a:t>MIFARE classic</a:t>
+            </a:r>
+          </a:p>
+        </p:txBody>
+      </p:sp>
+      <p:sp>
+        <p:nvSpPr>
+          <p:cNvPr id="3" name="Tijdelijke aanduiding voor inhoud 2"/>
+          <p:cNvSpPr>
+            <a:spLocks noGrp="1"/>
+          </p:cNvSpPr>
+          <p:nvPr>
+            <p:ph idx="1"/>
+          </p:nvPr>
+        </p:nvSpPr>
+        <p:spPr/>
+        <p:txBody>
+          <a:bodyPr/>
+          <a:lstStyle/>
+          <a:p>
+            <a:r>
+              <a:rPr lang="nl-BE" dirty="0"/>
+              <a:t>Beveiliging via crypto1</a:t>
+            </a:r>
+          </a:p>
+          <a:p>
+            <a:r>
+              <a:rPr lang="nl-BE" dirty="0"/>
+              <a:t>Eigendom van NXP </a:t>
+            </a:r>
+            <a:r>
+              <a:rPr lang="nl-BE" dirty="0" err="1"/>
+              <a:t>Semiconducter</a:t>
+            </a:r>
+            <a:endParaRPr lang="nl-BE" dirty="0"/>
+          </a:p>
+          <a:p>
+            <a:r>
+              <a:rPr lang="nl-BE" dirty="0"/>
+              <a:t>Gebruikt hardware on-chip voor snelle codering</a:t>
+            </a:r>
+          </a:p>
+        </p:txBody>
+      </p:sp>
+    </p:spTree>
+    <p:extLst>
+      <p:ext uri="{BB962C8B-B14F-4D97-AF65-F5344CB8AC3E}">
+        <p14:creationId xmlns:p14="http://schemas.microsoft.com/office/powerpoint/2010/main" val="2287753097"/>
+      </p:ext>
+    </p:extLst>
+  </p:cSld>
+  <p:clrMapOvr>
+    <a:masterClrMapping/>
+  </p:clrMapOvr>
+  <mc:AlternateContent xmlns:mc="http://schemas.openxmlformats.org/markup-compatibility/2006" xmlns:p14="http://schemas.microsoft.com/office/powerpoint/2010/main">
+    <mc:Choice Requires="p14">
+      <p:transition spd="med" p14:dur="700">
+        <p:fade/>
+      </p:transition>
+    </mc:Choice>
+    <mc:Fallback xmlns="">
+      <p:transition spd="med">
+        <p:fade/>
+      </p:transition>
+    </mc:Fallback>
+  </mc:AlternateContent>
+</p:sld>
+</file>
+
+<file path=ppt/slides/slide9.xml><?xml version="1.0" encoding="utf-8"?>
+<p:sld xmlns:a="http://schemas.openxmlformats.org/drawingml/2006/main" xmlns:r="http://schemas.openxmlformats.org/officeDocument/2006/relationships" xmlns:p="http://schemas.openxmlformats.org/presentationml/2006/main">
+  <p:cSld>
+    <p:spTree>
+      <p:nvGrpSpPr>
+        <p:cNvPr id="1" name=""/>
+        <p:cNvGrpSpPr/>
+        <p:nvPr/>
+      </p:nvGrpSpPr>
+      <p:grpSpPr>
+        <a:xfrm>
+          <a:off x="0" y="0"/>
+          <a:ext cx="0" cy="0"/>
+          <a:chOff x="0" y="0"/>
+          <a:chExt cx="0" cy="0"/>
+        </a:xfrm>
+      </p:grpSpPr>
+      <p:sp>
+        <p:nvSpPr>
+          <p:cNvPr id="2" name="Titel 1"/>
+          <p:cNvSpPr>
+            <a:spLocks noGrp="1"/>
+          </p:cNvSpPr>
+          <p:nvPr>
+            <p:ph type="title"/>
+          </p:nvPr>
+        </p:nvSpPr>
+        <p:spPr/>
+        <p:txBody>
+          <a:bodyPr/>
+          <a:lstStyle/>
+          <a:p>
+            <a:r>
+              <a:rPr lang="nl-BE" dirty="0"/>
+              <a:t>Van </a:t>
+            </a:r>
+            <a:r>
+              <a:rPr lang="nl-BE" dirty="0" err="1"/>
+              <a:t>Raspberry</a:t>
+            </a:r>
+            <a:r>
+              <a:rPr lang="nl-BE" dirty="0"/>
+              <a:t> naar </a:t>
+            </a:r>
+            <a:r>
+              <a:rPr lang="nl-BE" dirty="0" err="1"/>
+              <a:t>Arduino</a:t>
+            </a:r>
+            <a:endParaRPr lang="nl-BE" dirty="0"/>
+          </a:p>
+        </p:txBody>
+      </p:sp>
+      <p:sp>
+        <p:nvSpPr>
+          <p:cNvPr id="3" name="Tijdelijke aanduiding voor inhoud 2"/>
+          <p:cNvSpPr>
+            <a:spLocks noGrp="1"/>
+          </p:cNvSpPr>
+          <p:nvPr>
+            <p:ph idx="1"/>
+          </p:nvPr>
+        </p:nvSpPr>
+        <p:spPr/>
+        <p:txBody>
+          <a:bodyPr/>
+          <a:lstStyle/>
+          <a:p>
+            <a:r>
+              <a:rPr lang="nl-BE" dirty="0"/>
+              <a:t>3x data corruptie =&gt; bootloop</a:t>
+            </a:r>
+          </a:p>
+          <a:p>
+            <a:r>
+              <a:rPr lang="nl-BE" dirty="0"/>
+              <a:t>Niet op tijd back-up =&gt; verloren scripts en instellingen</a:t>
+            </a:r>
+          </a:p>
+          <a:p>
+            <a:r>
+              <a:rPr lang="nl-BE" dirty="0"/>
+              <a:t>Na week 4 opgegeven </a:t>
+            </a:r>
+          </a:p>
+          <a:p>
+            <a:r>
+              <a:rPr lang="nl-BE" dirty="0"/>
+              <a:t>Van nul met </a:t>
+            </a:r>
+            <a:r>
+              <a:rPr lang="nl-BE" dirty="0" err="1"/>
+              <a:t>Arduino</a:t>
+            </a:r>
+            <a:endParaRPr lang="nl-BE" dirty="0"/>
+          </a:p>
+        </p:txBody>
+      </p:sp>
+    </p:spTree>
+    <p:extLst>
+      <p:ext uri="{BB962C8B-B14F-4D97-AF65-F5344CB8AC3E}">
+        <p14:creationId xmlns:p14="http://schemas.microsoft.com/office/powerpoint/2010/main" val="3195576360"/>
       </p:ext>
     </p:extLst>
   </p:cSld>
